--- a/node后端技术分享.pptx
+++ b/node后端技术分享.pptx
@@ -1171,11 +1171,7 @@
           <a:pPr rtl="0"/>
           <a:r>
             <a:rPr lang="zh-CN" dirty="0" smtClean="0"/>
-            <a:t>事件驱</a:t>
-          </a:r>
-          <a:r>
-            <a:rPr lang="zh-CN" dirty="0" smtClean="0"/>
-            <a:t>动</a:t>
+            <a:t>事件驱动</a:t>
           </a:r>
           <a:r>
             <a:rPr lang="zh-CN" altLang="en-US" dirty="0" smtClean="0"/>
@@ -1381,9 +1377,9 @@
     <dgm:cxn modelId="{88F52C2A-5594-4BE9-9B6E-E9AE42022D5B}" type="presOf" srcId="{6B557281-BF58-4821-B938-C886DB5BD9B5}" destId="{5EEF93BA-5C18-4673-8B91-F20771324E8B}" srcOrd="0" destOrd="1" presId="urn:microsoft.com/office/officeart/2005/8/layout/process1"/>
     <dgm:cxn modelId="{A139A7D1-BBE2-4B04-86F9-1645A5A8D6BA}" type="presOf" srcId="{F8478F00-4641-45E5-8D26-72B755BFE108}" destId="{AC6FD07A-9682-41F5-8374-B3E0339968CE}" srcOrd="0" destOrd="1" presId="urn:microsoft.com/office/officeart/2005/8/layout/process1"/>
     <dgm:cxn modelId="{E72E0338-577E-4B5E-8865-CBB20BC5474F}" srcId="{23C88637-3458-484C-BBC0-829C448B200A}" destId="{60CB8A16-CA45-41FB-862D-470D20D104A3}" srcOrd="0" destOrd="0" parTransId="{CA38AD97-D1D0-4215-A252-7C2188FF5F7E}" sibTransId="{334A846A-B067-4C55-BCD1-A96CF313B0BC}"/>
-    <dgm:cxn modelId="{E5CC8812-A20B-4FEA-BF89-CE1310F3308D}" type="presOf" srcId="{5704BF90-F9B4-4FE0-AF66-E4B2033F9BB3}" destId="{6E971538-FA26-4EDF-9C91-01DDF517F885}" srcOrd="1" destOrd="0" presId="urn:microsoft.com/office/officeart/2005/8/layout/process1"/>
     <dgm:cxn modelId="{4E4BCC6B-AA37-4F77-821E-9CDC0DF4260F}" type="presOf" srcId="{C1E4E9F6-CC7E-4963-B33B-D6E939F93B84}" destId="{BA4F96EA-1A10-492A-A88E-2A0F4E0BCBBA}" srcOrd="1" destOrd="0" presId="urn:microsoft.com/office/officeart/2005/8/layout/process1"/>
     <dgm:cxn modelId="{284AC258-1ED4-4645-BD0B-F3C1E1108B36}" type="presOf" srcId="{4FB4FE73-5B26-465D-A7E9-75CFB1007681}" destId="{70FC2123-2839-4467-BED7-0296FF7F7003}" srcOrd="0" destOrd="0" presId="urn:microsoft.com/office/officeart/2005/8/layout/process1"/>
+    <dgm:cxn modelId="{E5CC8812-A20B-4FEA-BF89-CE1310F3308D}" type="presOf" srcId="{5704BF90-F9B4-4FE0-AF66-E4B2033F9BB3}" destId="{6E971538-FA26-4EDF-9C91-01DDF517F885}" srcOrd="1" destOrd="0" presId="urn:microsoft.com/office/officeart/2005/8/layout/process1"/>
     <dgm:cxn modelId="{D3044D29-0F60-49E0-A75F-C25C9F8E41B0}" type="presOf" srcId="{A43ED617-4939-4610-8C46-6D22CD47D3C4}" destId="{AC6FD07A-9682-41F5-8374-B3E0339968CE}" srcOrd="0" destOrd="0" presId="urn:microsoft.com/office/officeart/2005/8/layout/process1"/>
     <dgm:cxn modelId="{A22B7530-621E-4612-AA1D-894C2913D649}" srcId="{8A261A4F-7A48-45CA-9FBD-A280F970A46B}" destId="{7320E6F1-C90F-45D6-A2C9-4CF1CC09B3A9}" srcOrd="3" destOrd="0" parTransId="{363DEE25-9672-4B01-A24A-78517EDBDCBB}" sibTransId="{EB620623-2A89-46EB-A28E-FC163835E7ED}"/>
     <dgm:cxn modelId="{AA6CA7FE-D04A-4298-A185-05E424290996}" type="presOf" srcId="{8A261A4F-7A48-45CA-9FBD-A280F970A46B}" destId="{8F40C4A4-BF5B-4F8A-A04B-6889E09D6D70}" srcOrd="0" destOrd="0" presId="urn:microsoft.com/office/officeart/2005/8/layout/process1"/>
@@ -2028,11 +2024,7 @@
           </a:pPr>
           <a:r>
             <a:rPr lang="zh-CN" sz="1400" kern="1200" dirty="0" smtClean="0"/>
-            <a:t>事件驱</a:t>
-          </a:r>
-          <a:r>
-            <a:rPr lang="zh-CN" sz="1400" kern="1200" dirty="0" smtClean="0"/>
-            <a:t>动</a:t>
+            <a:t>事件驱动</a:t>
           </a:r>
           <a:r>
             <a:rPr lang="zh-CN" altLang="en-US" sz="1400" kern="1200" dirty="0" smtClean="0"/>
@@ -7137,11 +7129,7 @@
           <a:p>
             <a:r>
               <a:rPr lang="zh-CN" altLang="en-US" dirty="0" smtClean="0"/>
-              <a:t>郝雪</a:t>
-            </a:r>
-            <a:r>
-              <a:rPr lang="zh-CN" altLang="en-US" dirty="0" smtClean="0"/>
-              <a:t>冰</a:t>
+              <a:t>郝雪冰</a:t>
             </a:r>
             <a:endParaRPr lang="en-US" altLang="zh-CN" dirty="0" smtClean="0"/>
           </a:p>
@@ -7399,14 +7387,10 @@
             </a:r>
             <a:r>
               <a:rPr lang="zh-CN" altLang="en-US" dirty="0"/>
-              <a:t>密</a:t>
-            </a:r>
-            <a:r>
-              <a:rPr lang="zh-CN" altLang="en-US"/>
-              <a:t>集</a:t>
-            </a:r>
-            <a:r>
-              <a:rPr lang="zh-CN" altLang="en-US" smtClean="0"/>
+              <a:t>密集</a:t>
+            </a:r>
+            <a:r>
+              <a:rPr lang="zh-CN" altLang="en-US" dirty="0" smtClean="0"/>
               <a:t>型</a:t>
             </a:r>
             <a:endParaRPr lang="en-US" altLang="zh-CN" dirty="0"/>
@@ -7574,7 +7558,75 @@
           <a:p>
             <a:r>
               <a:rPr lang="zh-CN" altLang="en-US" dirty="0" smtClean="0"/>
-              <a:t>同步、异步，阻塞、非阻塞</a:t>
+              <a:t>同</a:t>
+            </a:r>
+            <a:r>
+              <a:rPr lang="zh-CN" altLang="en-US" dirty="0" smtClean="0"/>
+              <a:t>步</a:t>
+            </a:r>
+            <a:r>
+              <a:rPr lang="en-US" altLang="zh-CN" dirty="0" smtClean="0"/>
+              <a:t>(Sync</a:t>
+            </a:r>
+            <a:r>
+              <a:rPr lang="en-US" altLang="zh-CN" dirty="0"/>
+              <a:t>)</a:t>
+            </a:r>
+            <a:r>
+              <a:rPr lang="zh-CN" altLang="en-US" dirty="0" smtClean="0"/>
+              <a:t>、</a:t>
+            </a:r>
+            <a:r>
+              <a:rPr lang="zh-CN" altLang="en-US" dirty="0" smtClean="0"/>
+              <a:t>异</a:t>
+            </a:r>
+            <a:r>
+              <a:rPr lang="zh-CN" altLang="en-US" dirty="0" smtClean="0"/>
+              <a:t>步</a:t>
+            </a:r>
+            <a:r>
+              <a:rPr lang="en-US" altLang="zh-CN" dirty="0" smtClean="0"/>
+              <a:t>(</a:t>
+            </a:r>
+            <a:r>
+              <a:rPr lang="en-US" altLang="zh-CN" dirty="0" err="1" smtClean="0"/>
+              <a:t>Async</a:t>
+            </a:r>
+            <a:r>
+              <a:rPr lang="en-US" altLang="zh-CN" dirty="0" smtClean="0"/>
+              <a:t>)</a:t>
+            </a:r>
+            <a:r>
+              <a:rPr lang="zh-CN" altLang="en-US" dirty="0" smtClean="0"/>
+              <a:t>，</a:t>
+            </a:r>
+            <a:r>
+              <a:rPr lang="zh-CN" altLang="en-US" dirty="0" smtClean="0"/>
+              <a:t>阻</a:t>
+            </a:r>
+            <a:r>
+              <a:rPr lang="zh-CN" altLang="en-US" dirty="0" smtClean="0"/>
+              <a:t>塞</a:t>
+            </a:r>
+            <a:r>
+              <a:rPr lang="en-US" altLang="zh-CN" dirty="0" smtClean="0"/>
+              <a:t>(block)</a:t>
+            </a:r>
+            <a:r>
+              <a:rPr lang="zh-CN" altLang="en-US" dirty="0" smtClean="0"/>
+              <a:t>、</a:t>
+            </a:r>
+            <a:r>
+              <a:rPr lang="zh-CN" altLang="en-US" dirty="0" smtClean="0"/>
+              <a:t>非阻</a:t>
+            </a:r>
+            <a:r>
+              <a:rPr lang="zh-CN" altLang="en-US" dirty="0" smtClean="0"/>
+              <a:t>塞</a:t>
+            </a:r>
+            <a:r>
+              <a:rPr lang="en-US" altLang="zh-CN" dirty="0" smtClean="0"/>
+              <a:t>(no-block)</a:t>
             </a:r>
             <a:endParaRPr lang="en-US" altLang="zh-CN" dirty="0" smtClean="0"/>
           </a:p>
@@ -7605,7 +7657,7 @@
         </p:blipFill>
         <p:spPr>
           <a:xfrm>
-            <a:off x="973286" y="2585533"/>
+            <a:off x="973284" y="2663843"/>
             <a:ext cx="3761507" cy="2061225"/>
           </a:xfrm>
           <a:prstGeom prst="rect">
@@ -8023,7 +8075,7 @@
               <a:rPr lang="zh-CN" altLang="en-US" dirty="0" smtClean="0">
                 <a:hlinkClick r:id="rId3"/>
               </a:rPr>
-              <a:t>运行模型</a:t>
+              <a:t>事件驱动</a:t>
             </a:r>
             <a:endParaRPr lang="zh-CN" altLang="en-US" dirty="0"/>
           </a:p>

--- a/node后端技术分享.pptx
+++ b/node后端技术分享.pptx
@@ -1223,6 +1223,182 @@
         </a:p>
       </dgm:t>
     </dgm:pt>
+    <dgm:pt modelId="{5B59366F-7D0A-4290-A0B6-B6D0DEBCE63C}">
+      <dgm:prSet/>
+      <dgm:spPr/>
+      <dgm:t>
+        <a:bodyPr/>
+        <a:lstStyle/>
+        <a:p>
+          <a:pPr rtl="0"/>
+          <a:r>
+            <a:rPr lang="en-US" dirty="0" smtClean="0"/>
+            <a:t>Java</a:t>
+          </a:r>
+          <a:r>
+            <a:rPr lang="zh-CN" dirty="0" smtClean="0"/>
+            <a:t>、</a:t>
+          </a:r>
+          <a:r>
+            <a:rPr lang="en-US" dirty="0" err="1" smtClean="0"/>
+            <a:t>ASP.Net</a:t>
+          </a:r>
+          <a:r>
+            <a:rPr lang="zh-CN" dirty="0" smtClean="0"/>
+            <a:t>、</a:t>
+          </a:r>
+          <a:r>
+            <a:rPr lang="en-US" dirty="0" smtClean="0"/>
+            <a:t>PHP</a:t>
+          </a:r>
+          <a:endParaRPr lang="zh-CN" dirty="0"/>
+        </a:p>
+      </dgm:t>
+    </dgm:pt>
+    <dgm:pt modelId="{3322785A-9117-4489-850D-B5060043E365}" type="parTrans" cxnId="{61B9829D-7317-4563-AD06-BDB7606F7729}">
+      <dgm:prSet/>
+      <dgm:spPr/>
+      <dgm:t>
+        <a:bodyPr/>
+        <a:lstStyle/>
+        <a:p>
+          <a:endParaRPr lang="zh-CN" altLang="en-US"/>
+        </a:p>
+      </dgm:t>
+    </dgm:pt>
+    <dgm:pt modelId="{394D7B2F-2639-4F35-A80F-FBDC2D2C3280}" type="sibTrans" cxnId="{61B9829D-7317-4563-AD06-BDB7606F7729}">
+      <dgm:prSet/>
+      <dgm:spPr/>
+      <dgm:t>
+        <a:bodyPr/>
+        <a:lstStyle/>
+        <a:p>
+          <a:endParaRPr lang="zh-CN" altLang="en-US"/>
+        </a:p>
+      </dgm:t>
+    </dgm:pt>
+    <dgm:pt modelId="{C5803306-04CC-4687-8777-D37373EF9487}">
+      <dgm:prSet/>
+      <dgm:spPr/>
+      <dgm:t>
+        <a:bodyPr/>
+        <a:lstStyle/>
+        <a:p>
+          <a:pPr rtl="0"/>
+          <a:r>
+            <a:rPr lang="en-US" dirty="0" smtClean="0"/>
+            <a:t>Node.js</a:t>
+          </a:r>
+          <a:r>
+            <a:rPr lang="zh-CN" dirty="0" smtClean="0"/>
+            <a:t>、</a:t>
+          </a:r>
+          <a:r>
+            <a:rPr lang="en-US" dirty="0" err="1" smtClean="0"/>
+            <a:t>Golang</a:t>
+          </a:r>
+          <a:endParaRPr lang="zh-CN" dirty="0"/>
+        </a:p>
+      </dgm:t>
+    </dgm:pt>
+    <dgm:pt modelId="{535340E3-45F5-49A2-ADB9-FB2186AABD93}" type="parTrans" cxnId="{533183CE-17E4-44A3-B315-F3FE9DCC65B8}">
+      <dgm:prSet/>
+      <dgm:spPr/>
+      <dgm:t>
+        <a:bodyPr/>
+        <a:lstStyle/>
+        <a:p>
+          <a:endParaRPr lang="zh-CN" altLang="en-US"/>
+        </a:p>
+      </dgm:t>
+    </dgm:pt>
+    <dgm:pt modelId="{BD9AED6A-1C48-44C0-8A51-0F4A4E50E9AC}" type="sibTrans" cxnId="{533183CE-17E4-44A3-B315-F3FE9DCC65B8}">
+      <dgm:prSet/>
+      <dgm:spPr/>
+      <dgm:t>
+        <a:bodyPr/>
+        <a:lstStyle/>
+        <a:p>
+          <a:endParaRPr lang="zh-CN" altLang="en-US"/>
+        </a:p>
+      </dgm:t>
+    </dgm:pt>
+    <dgm:pt modelId="{404C8900-B391-43FF-8D36-BFB974B4C042}">
+      <dgm:prSet/>
+      <dgm:spPr/>
+      <dgm:t>
+        <a:bodyPr/>
+        <a:lstStyle/>
+        <a:p>
+          <a:pPr rtl="0"/>
+          <a:r>
+            <a:rPr lang="zh-CN" altLang="en-US" dirty="0" smtClean="0"/>
+            <a:t>线程池</a:t>
+          </a:r>
+          <a:endParaRPr lang="zh-CN" dirty="0"/>
+        </a:p>
+      </dgm:t>
+    </dgm:pt>
+    <dgm:pt modelId="{03EBF5A9-2B07-4A31-8A3D-6F424C7612E8}" type="parTrans" cxnId="{7EF65F01-5A6A-4FC9-BFA7-0BC46CD9E05D}">
+      <dgm:prSet/>
+      <dgm:spPr/>
+      <dgm:t>
+        <a:bodyPr/>
+        <a:lstStyle/>
+        <a:p>
+          <a:endParaRPr lang="zh-CN" altLang="en-US"/>
+        </a:p>
+      </dgm:t>
+    </dgm:pt>
+    <dgm:pt modelId="{415A131B-E356-42FB-B83D-359694D9AB5B}" type="sibTrans" cxnId="{7EF65F01-5A6A-4FC9-BFA7-0BC46CD9E05D}">
+      <dgm:prSet/>
+      <dgm:spPr/>
+      <dgm:t>
+        <a:bodyPr/>
+        <a:lstStyle/>
+        <a:p>
+          <a:endParaRPr lang="zh-CN" altLang="en-US"/>
+        </a:p>
+      </dgm:t>
+    </dgm:pt>
+    <dgm:pt modelId="{30A3ACB7-E678-47FC-A52A-26331D70241F}">
+      <dgm:prSet/>
+      <dgm:spPr/>
+      <dgm:t>
+        <a:bodyPr/>
+        <a:lstStyle/>
+        <a:p>
+          <a:pPr rtl="0"/>
+          <a:r>
+            <a:rPr lang="zh-CN" altLang="en-US" dirty="0" smtClean="0"/>
+            <a:t>队列</a:t>
+          </a:r>
+          <a:endParaRPr lang="zh-CN" dirty="0"/>
+        </a:p>
+      </dgm:t>
+    </dgm:pt>
+    <dgm:pt modelId="{9C3E5258-987A-450F-A091-ADF57DD199D0}" type="parTrans" cxnId="{9DE3CC4B-D9A6-4A60-A3D2-C0D8A4091A5F}">
+      <dgm:prSet/>
+      <dgm:spPr/>
+      <dgm:t>
+        <a:bodyPr/>
+        <a:lstStyle/>
+        <a:p>
+          <a:endParaRPr lang="zh-CN" altLang="en-US"/>
+        </a:p>
+      </dgm:t>
+    </dgm:pt>
+    <dgm:pt modelId="{FEE2AB70-F386-496F-BE18-BB69D4E79D76}" type="sibTrans" cxnId="{9DE3CC4B-D9A6-4A60-A3D2-C0D8A4091A5F}">
+      <dgm:prSet/>
+      <dgm:spPr/>
+      <dgm:t>
+        <a:bodyPr/>
+        <a:lstStyle/>
+        <a:p>
+          <a:endParaRPr lang="zh-CN" altLang="en-US"/>
+        </a:p>
+      </dgm:t>
+    </dgm:pt>
     <dgm:pt modelId="{8F40C4A4-BF5B-4F8A-A04B-6889E09D6D70}" type="pres">
       <dgm:prSet presAssocID="{8A261A4F-7A48-45CA-9FBD-A280F970A46B}" presName="Name0" presStyleCnt="0">
         <dgm:presLayoutVars>
@@ -1368,18 +1544,23 @@
   </dgm:ptLst>
   <dgm:cxnLst>
     <dgm:cxn modelId="{974F70D6-6416-4734-A6AA-58C759E95EF6}" srcId="{A43ED617-4939-4610-8C46-6D22CD47D3C4}" destId="{F8478F00-4641-45E5-8D26-72B755BFE108}" srcOrd="0" destOrd="0" parTransId="{05F85009-6603-476A-859F-B9660DBF7678}" sibTransId="{D2564793-24BF-40D6-848F-E7616D5BB2ED}"/>
+    <dgm:cxn modelId="{7EF65F01-5A6A-4FC9-BFA7-0BC46CD9E05D}" srcId="{7E981A4A-F219-4771-BF9B-028170AC801C}" destId="{404C8900-B391-43FF-8D36-BFB974B4C042}" srcOrd="2" destOrd="0" parTransId="{03EBF5A9-2B07-4A31-8A3D-6F424C7612E8}" sibTransId="{415A131B-E356-42FB-B83D-359694D9AB5B}"/>
+    <dgm:cxn modelId="{9DE3CC4B-D9A6-4A60-A3D2-C0D8A4091A5F}" srcId="{7320E6F1-C90F-45D6-A2C9-4CF1CC09B3A9}" destId="{30A3ACB7-E678-47FC-A52A-26331D70241F}" srcOrd="2" destOrd="0" parTransId="{9C3E5258-987A-450F-A091-ADF57DD199D0}" sibTransId="{FEE2AB70-F386-496F-BE18-BB69D4E79D76}"/>
     <dgm:cxn modelId="{9A01AC24-FDE2-4423-8E6A-76FD77D44072}" type="presOf" srcId="{4FB4FE73-5B26-465D-A7E9-75CFB1007681}" destId="{1F4E9629-F9AA-4B8E-BF3C-5E50FC13B260}" srcOrd="1" destOrd="0" presId="urn:microsoft.com/office/officeart/2005/8/layout/process1"/>
     <dgm:cxn modelId="{BBCB224C-4779-4840-9A03-B554E09DB669}" srcId="{8A261A4F-7A48-45CA-9FBD-A280F970A46B}" destId="{A43ED617-4939-4610-8C46-6D22CD47D3C4}" srcOrd="1" destOrd="0" parTransId="{1D0471E2-10ED-4853-9150-152B3C32EF2B}" sibTransId="{5704BF90-F9B4-4FE0-AF66-E4B2033F9BB3}"/>
+    <dgm:cxn modelId="{AEC97F51-6962-4F38-8525-160EEE6D93B4}" type="presOf" srcId="{5B59366F-7D0A-4290-A0B6-B6D0DEBCE63C}" destId="{5EEF93BA-5C18-4673-8B91-F20771324E8B}" srcOrd="0" destOrd="2" presId="urn:microsoft.com/office/officeart/2005/8/layout/process1"/>
     <dgm:cxn modelId="{885C9AB6-DF6C-4CA4-B80B-28FB5E592108}" srcId="{8A261A4F-7A48-45CA-9FBD-A280F970A46B}" destId="{23C88637-3458-484C-BBC0-829C448B200A}" srcOrd="0" destOrd="0" parTransId="{D0B5D711-EE6C-493F-A6D9-E40771DB9D99}" sibTransId="{C1E4E9F6-CC7E-4963-B33B-D6E939F93B84}"/>
     <dgm:cxn modelId="{7B1C40F1-4AF0-4B92-9AE0-676B9C699C0E}" type="presOf" srcId="{C1E4E9F6-CC7E-4963-B33B-D6E939F93B84}" destId="{627864BF-B31F-4DCF-952A-B2CF598ED5FF}" srcOrd="0" destOrd="0" presId="urn:microsoft.com/office/officeart/2005/8/layout/process1"/>
+    <dgm:cxn modelId="{550CB493-72A0-49E3-A7DF-AD20F2697ECE}" type="presOf" srcId="{404C8900-B391-43FF-8D36-BFB974B4C042}" destId="{5EEF93BA-5C18-4673-8B91-F20771324E8B}" srcOrd="0" destOrd="3" presId="urn:microsoft.com/office/officeart/2005/8/layout/process1"/>
     <dgm:cxn modelId="{096AF293-7838-45B9-9272-D53CC7D1C6F2}" srcId="{7E981A4A-F219-4771-BF9B-028170AC801C}" destId="{6B557281-BF58-4821-B938-C886DB5BD9B5}" srcOrd="0" destOrd="0" parTransId="{FCABB420-862D-4617-A0E4-715F53A9BE19}" sibTransId="{24AD0951-8123-47DE-85D6-B174DCF64EB2}"/>
     <dgm:cxn modelId="{CCF0AE30-C11B-4423-8842-86FF28F0B1D5}" type="presOf" srcId="{7E981A4A-F219-4771-BF9B-028170AC801C}" destId="{5EEF93BA-5C18-4673-8B91-F20771324E8B}" srcOrd="0" destOrd="0" presId="urn:microsoft.com/office/officeart/2005/8/layout/process1"/>
+    <dgm:cxn modelId="{2C6D940E-1E17-4DE4-BC32-711F42F27F64}" type="presOf" srcId="{30A3ACB7-E678-47FC-A52A-26331D70241F}" destId="{689D4E3B-B5D7-444E-903B-D1210F92931C}" srcOrd="0" destOrd="3" presId="urn:microsoft.com/office/officeart/2005/8/layout/process1"/>
     <dgm:cxn modelId="{88F52C2A-5594-4BE9-9B6E-E9AE42022D5B}" type="presOf" srcId="{6B557281-BF58-4821-B938-C886DB5BD9B5}" destId="{5EEF93BA-5C18-4673-8B91-F20771324E8B}" srcOrd="0" destOrd="1" presId="urn:microsoft.com/office/officeart/2005/8/layout/process1"/>
     <dgm:cxn modelId="{A139A7D1-BBE2-4B04-86F9-1645A5A8D6BA}" type="presOf" srcId="{F8478F00-4641-45E5-8D26-72B755BFE108}" destId="{AC6FD07A-9682-41F5-8374-B3E0339968CE}" srcOrd="0" destOrd="1" presId="urn:microsoft.com/office/officeart/2005/8/layout/process1"/>
     <dgm:cxn modelId="{E72E0338-577E-4B5E-8865-CBB20BC5474F}" srcId="{23C88637-3458-484C-BBC0-829C448B200A}" destId="{60CB8A16-CA45-41FB-862D-470D20D104A3}" srcOrd="0" destOrd="0" parTransId="{CA38AD97-D1D0-4215-A252-7C2188FF5F7E}" sibTransId="{334A846A-B067-4C55-BCD1-A96CF313B0BC}"/>
-    <dgm:cxn modelId="{4E4BCC6B-AA37-4F77-821E-9CDC0DF4260F}" type="presOf" srcId="{C1E4E9F6-CC7E-4963-B33B-D6E939F93B84}" destId="{BA4F96EA-1A10-492A-A88E-2A0F4E0BCBBA}" srcOrd="1" destOrd="0" presId="urn:microsoft.com/office/officeart/2005/8/layout/process1"/>
     <dgm:cxn modelId="{284AC258-1ED4-4645-BD0B-F3C1E1108B36}" type="presOf" srcId="{4FB4FE73-5B26-465D-A7E9-75CFB1007681}" destId="{70FC2123-2839-4467-BED7-0296FF7F7003}" srcOrd="0" destOrd="0" presId="urn:microsoft.com/office/officeart/2005/8/layout/process1"/>
     <dgm:cxn modelId="{E5CC8812-A20B-4FEA-BF89-CE1310F3308D}" type="presOf" srcId="{5704BF90-F9B4-4FE0-AF66-E4B2033F9BB3}" destId="{6E971538-FA26-4EDF-9C91-01DDF517F885}" srcOrd="1" destOrd="0" presId="urn:microsoft.com/office/officeart/2005/8/layout/process1"/>
+    <dgm:cxn modelId="{4E4BCC6B-AA37-4F77-821E-9CDC0DF4260F}" type="presOf" srcId="{C1E4E9F6-CC7E-4963-B33B-D6E939F93B84}" destId="{BA4F96EA-1A10-492A-A88E-2A0F4E0BCBBA}" srcOrd="1" destOrd="0" presId="urn:microsoft.com/office/officeart/2005/8/layout/process1"/>
     <dgm:cxn modelId="{D3044D29-0F60-49E0-A75F-C25C9F8E41B0}" type="presOf" srcId="{A43ED617-4939-4610-8C46-6D22CD47D3C4}" destId="{AC6FD07A-9682-41F5-8374-B3E0339968CE}" srcOrd="0" destOrd="0" presId="urn:microsoft.com/office/officeart/2005/8/layout/process1"/>
     <dgm:cxn modelId="{A22B7530-621E-4612-AA1D-894C2913D649}" srcId="{8A261A4F-7A48-45CA-9FBD-A280F970A46B}" destId="{7320E6F1-C90F-45D6-A2C9-4CF1CC09B3A9}" srcOrd="3" destOrd="0" parTransId="{363DEE25-9672-4B01-A24A-78517EDBDCBB}" sibTransId="{EB620623-2A89-46EB-A28E-FC163835E7ED}"/>
     <dgm:cxn modelId="{AA6CA7FE-D04A-4298-A185-05E424290996}" type="presOf" srcId="{8A261A4F-7A48-45CA-9FBD-A280F970A46B}" destId="{8F40C4A4-BF5B-4F8A-A04B-6889E09D6D70}" srcOrd="0" destOrd="0" presId="urn:microsoft.com/office/officeart/2005/8/layout/process1"/>
@@ -1387,7 +1568,10 @@
     <dgm:cxn modelId="{F7A60086-1024-44AA-B9E5-F17A6BACCE3B}" type="presOf" srcId="{7320E6F1-C90F-45D6-A2C9-4CF1CC09B3A9}" destId="{689D4E3B-B5D7-444E-903B-D1210F92931C}" srcOrd="0" destOrd="0" presId="urn:microsoft.com/office/officeart/2005/8/layout/process1"/>
     <dgm:cxn modelId="{8097A252-F20D-4CD7-9AB8-38EA8296206E}" type="presOf" srcId="{60CB8A16-CA45-41FB-862D-470D20D104A3}" destId="{DAB30413-415F-465F-8B1A-0244097C761E}" srcOrd="0" destOrd="1" presId="urn:microsoft.com/office/officeart/2005/8/layout/process1"/>
     <dgm:cxn modelId="{4A2E38CF-5027-44C8-A89F-126F922FEFB4}" type="presOf" srcId="{57068666-B5C7-40AC-A984-69A608C838F2}" destId="{689D4E3B-B5D7-444E-903B-D1210F92931C}" srcOrd="0" destOrd="1" presId="urn:microsoft.com/office/officeart/2005/8/layout/process1"/>
+    <dgm:cxn modelId="{61B9829D-7317-4563-AD06-BDB7606F7729}" srcId="{7E981A4A-F219-4771-BF9B-028170AC801C}" destId="{5B59366F-7D0A-4290-A0B6-B6D0DEBCE63C}" srcOrd="1" destOrd="0" parTransId="{3322785A-9117-4489-850D-B5060043E365}" sibTransId="{394D7B2F-2639-4F35-A80F-FBDC2D2C3280}"/>
+    <dgm:cxn modelId="{533183CE-17E4-44A3-B315-F3FE9DCC65B8}" srcId="{7320E6F1-C90F-45D6-A2C9-4CF1CC09B3A9}" destId="{C5803306-04CC-4687-8777-D37373EF9487}" srcOrd="1" destOrd="0" parTransId="{535340E3-45F5-49A2-ADB9-FB2186AABD93}" sibTransId="{BD9AED6A-1C48-44C0-8A51-0F4A4E50E9AC}"/>
     <dgm:cxn modelId="{ECE3625F-5D53-4C48-ABA3-649181D9415B}" type="presOf" srcId="{5704BF90-F9B4-4FE0-AF66-E4B2033F9BB3}" destId="{1AC5BF14-9A6A-499B-B964-5471A0CFC106}" srcOrd="0" destOrd="0" presId="urn:microsoft.com/office/officeart/2005/8/layout/process1"/>
+    <dgm:cxn modelId="{A8278B7F-B1B8-4894-A696-9CE66A985031}" type="presOf" srcId="{C5803306-04CC-4687-8777-D37373EF9487}" destId="{689D4E3B-B5D7-444E-903B-D1210F92931C}" srcOrd="0" destOrd="2" presId="urn:microsoft.com/office/officeart/2005/8/layout/process1"/>
     <dgm:cxn modelId="{13DBFAF4-702A-43BD-8BDE-19FB935BB3F2}" srcId="{8A261A4F-7A48-45CA-9FBD-A280F970A46B}" destId="{7E981A4A-F219-4771-BF9B-028170AC801C}" srcOrd="2" destOrd="0" parTransId="{4AF4BF6E-E2AC-4A69-885F-CF3581F9A733}" sibTransId="{4FB4FE73-5B26-465D-A7E9-75CFB1007681}"/>
     <dgm:cxn modelId="{A65EB492-9B87-4D58-B6D5-53642E949715}" srcId="{7320E6F1-C90F-45D6-A2C9-4CF1CC09B3A9}" destId="{57068666-B5C7-40AC-A984-69A608C838F2}" srcOrd="0" destOrd="0" parTransId="{68CFDFBE-3F79-4B54-88F0-6A3B5F3F99E2}" sibTransId="{399D65C4-2471-425D-817E-CDC05CF1E954}"/>
     <dgm:cxn modelId="{F8BC9F0F-3902-4DD5-B1AF-ED287097F421}" type="presParOf" srcId="{8F40C4A4-BF5B-4F8A-A04B-6889E09D6D70}" destId="{DAB30413-415F-465F-8B1A-0244097C761E}" srcOrd="0" destOrd="0" presId="urn:microsoft.com/office/officeart/2005/8/layout/process1"/>
@@ -1426,8 +1610,8 @@
       </dsp:nvSpPr>
       <dsp:spPr>
         <a:xfrm>
-          <a:off x="4621" y="1569532"/>
-          <a:ext cx="2020453" cy="1212272"/>
+          <a:off x="4621" y="1306716"/>
+          <a:ext cx="2020453" cy="1737905"/>
         </a:xfrm>
         <a:prstGeom prst="roundRect">
           <a:avLst>
@@ -1518,8 +1702,8 @@
         </a:p>
       </dsp:txBody>
       <dsp:txXfrm>
-        <a:off x="40127" y="1605038"/>
-        <a:ext cx="1949441" cy="1141260"/>
+        <a:off x="55522" y="1357617"/>
+        <a:ext cx="1918651" cy="1636103"/>
       </dsp:txXfrm>
     </dsp:sp>
     <dsp:sp modelId="{627864BF-B31F-4DCF-952A-B2CF598ED5FF}">
@@ -1598,8 +1782,8 @@
       </dsp:nvSpPr>
       <dsp:spPr>
         <a:xfrm>
-          <a:off x="2833255" y="1569532"/>
-          <a:ext cx="2020453" cy="1212272"/>
+          <a:off x="2833255" y="1306716"/>
+          <a:ext cx="2020453" cy="1737905"/>
         </a:xfrm>
         <a:prstGeom prst="roundRect">
           <a:avLst>
@@ -1690,8 +1874,8 @@
         </a:p>
       </dsp:txBody>
       <dsp:txXfrm>
-        <a:off x="2868761" y="1605038"/>
-        <a:ext cx="1949441" cy="1141260"/>
+        <a:off x="2884156" y="1357617"/>
+        <a:ext cx="1918651" cy="1636103"/>
       </dsp:txXfrm>
     </dsp:sp>
     <dsp:sp modelId="{1AC5BF14-9A6A-499B-B964-5471A0CFC106}">
@@ -1770,8 +1954,8 @@
       </dsp:nvSpPr>
       <dsp:spPr>
         <a:xfrm>
-          <a:off x="5661890" y="1569532"/>
-          <a:ext cx="2020453" cy="1212272"/>
+          <a:off x="5661890" y="1306716"/>
+          <a:ext cx="2020453" cy="1737905"/>
         </a:xfrm>
         <a:prstGeom prst="roundRect">
           <a:avLst>
@@ -1860,10 +2044,64 @@
           </a:r>
           <a:endParaRPr lang="zh-CN" sz="1400" kern="1200" dirty="0"/>
         </a:p>
+        <a:p>
+          <a:pPr marL="114300" lvl="1" indent="-114300" algn="l" defTabSz="622300" rtl="0">
+            <a:lnSpc>
+              <a:spcPct val="90000"/>
+            </a:lnSpc>
+            <a:spcBef>
+              <a:spcPct val="0"/>
+            </a:spcBef>
+            <a:spcAft>
+              <a:spcPct val="15000"/>
+            </a:spcAft>
+            <a:buChar char="••"/>
+          </a:pPr>
+          <a:r>
+            <a:rPr lang="en-US" sz="1400" kern="1200" dirty="0" smtClean="0"/>
+            <a:t>Java</a:t>
+          </a:r>
+          <a:r>
+            <a:rPr lang="zh-CN" sz="1400" kern="1200" dirty="0" smtClean="0"/>
+            <a:t>、</a:t>
+          </a:r>
+          <a:r>
+            <a:rPr lang="en-US" sz="1400" kern="1200" dirty="0" err="1" smtClean="0"/>
+            <a:t>ASP.Net</a:t>
+          </a:r>
+          <a:r>
+            <a:rPr lang="zh-CN" sz="1400" kern="1200" dirty="0" smtClean="0"/>
+            <a:t>、</a:t>
+          </a:r>
+          <a:r>
+            <a:rPr lang="en-US" sz="1400" kern="1200" dirty="0" smtClean="0"/>
+            <a:t>PHP</a:t>
+          </a:r>
+          <a:endParaRPr lang="zh-CN" sz="1400" kern="1200" dirty="0"/>
+        </a:p>
+        <a:p>
+          <a:pPr marL="114300" lvl="1" indent="-114300" algn="l" defTabSz="622300" rtl="0">
+            <a:lnSpc>
+              <a:spcPct val="90000"/>
+            </a:lnSpc>
+            <a:spcBef>
+              <a:spcPct val="0"/>
+            </a:spcBef>
+            <a:spcAft>
+              <a:spcPct val="15000"/>
+            </a:spcAft>
+            <a:buChar char="••"/>
+          </a:pPr>
+          <a:r>
+            <a:rPr lang="zh-CN" altLang="en-US" sz="1400" kern="1200" dirty="0" smtClean="0"/>
+            <a:t>线程池</a:t>
+          </a:r>
+          <a:endParaRPr lang="zh-CN" sz="1400" kern="1200" dirty="0"/>
+        </a:p>
       </dsp:txBody>
       <dsp:txXfrm>
-        <a:off x="5697396" y="1605038"/>
-        <a:ext cx="1949441" cy="1141260"/>
+        <a:off x="5712791" y="1357617"/>
+        <a:ext cx="1918651" cy="1636103"/>
       </dsp:txXfrm>
     </dsp:sp>
     <dsp:sp modelId="{70FC2123-2839-4467-BED7-0296FF7F7003}">
@@ -1942,8 +2180,8 @@
       </dsp:nvSpPr>
       <dsp:spPr>
         <a:xfrm>
-          <a:off x="8490525" y="1569532"/>
-          <a:ext cx="2020453" cy="1212272"/>
+          <a:off x="8490525" y="1306716"/>
+          <a:ext cx="2020453" cy="1737905"/>
         </a:xfrm>
         <a:prstGeom prst="roundRect">
           <a:avLst>
@@ -2052,10 +2290,56 @@
           </a:r>
           <a:endParaRPr lang="zh-CN" sz="1400" kern="1200" dirty="0"/>
         </a:p>
+        <a:p>
+          <a:pPr marL="114300" lvl="1" indent="-114300" algn="l" defTabSz="622300" rtl="0">
+            <a:lnSpc>
+              <a:spcPct val="90000"/>
+            </a:lnSpc>
+            <a:spcBef>
+              <a:spcPct val="0"/>
+            </a:spcBef>
+            <a:spcAft>
+              <a:spcPct val="15000"/>
+            </a:spcAft>
+            <a:buChar char="••"/>
+          </a:pPr>
+          <a:r>
+            <a:rPr lang="en-US" sz="1400" kern="1200" dirty="0" smtClean="0"/>
+            <a:t>Node.js</a:t>
+          </a:r>
+          <a:r>
+            <a:rPr lang="zh-CN" sz="1400" kern="1200" dirty="0" smtClean="0"/>
+            <a:t>、</a:t>
+          </a:r>
+          <a:r>
+            <a:rPr lang="en-US" sz="1400" kern="1200" dirty="0" err="1" smtClean="0"/>
+            <a:t>Golang</a:t>
+          </a:r>
+          <a:endParaRPr lang="zh-CN" sz="1400" kern="1200" dirty="0"/>
+        </a:p>
+        <a:p>
+          <a:pPr marL="114300" lvl="1" indent="-114300" algn="l" defTabSz="622300" rtl="0">
+            <a:lnSpc>
+              <a:spcPct val="90000"/>
+            </a:lnSpc>
+            <a:spcBef>
+              <a:spcPct val="0"/>
+            </a:spcBef>
+            <a:spcAft>
+              <a:spcPct val="15000"/>
+            </a:spcAft>
+            <a:buChar char="••"/>
+          </a:pPr>
+          <a:r>
+            <a:rPr lang="zh-CN" altLang="en-US" sz="1400" kern="1200" dirty="0" smtClean="0"/>
+            <a:t>队列</a:t>
+          </a:r>
+          <a:endParaRPr lang="zh-CN" sz="1400" kern="1200" dirty="0"/>
+        </a:p>
       </dsp:txBody>
       <dsp:txXfrm>
-        <a:off x="8526031" y="1605038"/>
-        <a:ext cx="1949441" cy="1141260"/>
+        <a:off x="8541426" y="1357617"/>
+        <a:ext cx="1918651" cy="1636103"/>
       </dsp:txXfrm>
     </dsp:sp>
   </dsp:spTree>
@@ -3675,8 +3959,38 @@
             </a:r>
             <a:r>
               <a:rPr lang="zh-CN" altLang="en-US" dirty="0" smtClean="0"/>
-              <a:t>单线程避免了不必要的内存开销和上下文切换开销</a:t>
-            </a:r>
+              <a:t>单线程避免了不必要的内存开销和上下文切换开</a:t>
+            </a:r>
+            <a:r>
+              <a:rPr lang="zh-CN" altLang="en-US" dirty="0" smtClean="0"/>
+              <a:t>销</a:t>
+            </a:r>
+            <a:endParaRPr lang="en-US" altLang="zh-CN" dirty="0" smtClean="0"/>
+          </a:p>
+          <a:p>
+            <a:endParaRPr lang="en-US" altLang="zh-CN" dirty="0" smtClean="0"/>
+          </a:p>
+          <a:p>
+            <a:endParaRPr lang="en-US" altLang="zh-CN" dirty="0" smtClean="0"/>
+          </a:p>
+          <a:p>
+            <a:endParaRPr lang="en-US" altLang="zh-CN" dirty="0" smtClean="0"/>
+          </a:p>
+          <a:p>
+            <a:r>
+              <a:rPr lang="zh-CN" altLang="en-US" dirty="0" smtClean="0"/>
+              <a:t> 线程驱动就是当收到一个请求的时候，将会为该请求开一个新的线程来处理请求。一般存在一个线程池，线程池中有空闲的线程，会从线程池中拿取线程来进行处理，如果线程池中没有空闲的线程，新来的请求将会进入队列排队，直到线程池中空闲线程。</a:t>
+            </a:r>
+            <a:endParaRPr lang="en-US" altLang="zh-CN" dirty="0" smtClean="0"/>
+          </a:p>
+          <a:p>
+            <a:r>
+              <a:rPr lang="zh-CN" altLang="en-US" dirty="0" smtClean="0"/>
+              <a:t>事件驱动就是当进来一个新的请求的时，请求将会被压入队列中，然后通过一个循环来检测队列中的事件状态变化，如果检测到有状态变化的事件，那么就执行该事件对应的处理代码，一般都是回调函数。</a:t>
+            </a:r>
+            <a:endParaRPr lang="en-US" altLang="zh-CN" dirty="0" smtClean="0"/>
+          </a:p>
+          <a:p>
             <a:endParaRPr lang="zh-CN" altLang="en-US" dirty="0"/>
           </a:p>
         </p:txBody>
@@ -7205,7 +7519,7 @@
             <p:ph idx="1"/>
             <p:extLst>
               <p:ext uri="{D42A27DB-BD31-4B8C-83A1-F6EECF244321}">
-                <p14:modId xmlns:p14="http://schemas.microsoft.com/office/powerpoint/2010/main" val="2168031024"/>
+                <p14:modId xmlns:p14="http://schemas.microsoft.com/office/powerpoint/2010/main" val="449922522"/>
               </p:ext>
             </p:extLst>
           </p:nvPr>
@@ -7345,64 +7659,92 @@
             </a:r>
             <a:r>
               <a:rPr lang="zh-CN" altLang="en-US" dirty="0"/>
-              <a:t>引擎打造了基于事件循环实现的异步</a:t>
-            </a:r>
+              <a:t>引擎打造了基于</a:t>
+            </a:r>
+            <a:r>
+              <a:rPr lang="zh-CN" altLang="en-US" dirty="0">
+                <a:solidFill>
+                  <a:srgbClr val="FF0000"/>
+                </a:solidFill>
+              </a:rPr>
+              <a:t>事件循环</a:t>
+            </a:r>
+            <a:r>
+              <a:rPr lang="zh-CN" altLang="en-US" dirty="0"/>
+              <a:t>实现的</a:t>
+            </a:r>
+            <a:r>
+              <a:rPr lang="zh-CN" altLang="en-US" dirty="0">
+                <a:solidFill>
+                  <a:srgbClr val="FF0000"/>
+                </a:solidFill>
+              </a:rPr>
+              <a:t>异步</a:t>
+            </a:r>
+            <a:r>
+              <a:rPr lang="en-US" altLang="zh-CN" dirty="0">
+                <a:solidFill>
+                  <a:srgbClr val="FF0000"/>
+                </a:solidFill>
+              </a:rPr>
+              <a:t>IO</a:t>
+            </a:r>
+            <a:r>
+              <a:rPr lang="zh-CN" altLang="en-US" dirty="0"/>
+              <a:t>框</a:t>
+            </a:r>
+            <a:r>
+              <a:rPr lang="zh-CN" altLang="en-US" dirty="0" smtClean="0"/>
+              <a:t>架（</a:t>
+            </a:r>
+            <a:r>
+              <a:rPr lang="en-US" altLang="zh-CN" dirty="0" smtClean="0"/>
+              <a:t>Node</a:t>
+            </a:r>
+            <a:r>
+              <a:rPr lang="zh-CN" altLang="en-US" dirty="0" smtClean="0"/>
+              <a:t>）</a:t>
+            </a:r>
+            <a:endParaRPr lang="en-US" altLang="zh-CN" dirty="0" smtClean="0"/>
+          </a:p>
+          <a:p>
+            <a:endParaRPr lang="en-US" altLang="zh-CN" dirty="0" smtClean="0"/>
+          </a:p>
+          <a:p>
+            <a:r>
+              <a:rPr lang="en-US" altLang="zh-CN" dirty="0"/>
+              <a:t>Node</a:t>
+            </a:r>
+            <a:r>
+              <a:rPr lang="zh-CN" altLang="en-US" dirty="0"/>
+              <a:t>的应用场</a:t>
+            </a:r>
+            <a:r>
+              <a:rPr lang="zh-CN" altLang="en-US" dirty="0" smtClean="0"/>
+              <a:t>景：</a:t>
+            </a:r>
+            <a:r>
+              <a:rPr lang="en-US" altLang="zh-CN" dirty="0" smtClean="0"/>
+              <a:t>IO</a:t>
+            </a:r>
+            <a:r>
+              <a:rPr lang="zh-CN" altLang="en-US" dirty="0"/>
+              <a:t>密集</a:t>
+            </a:r>
+            <a:r>
+              <a:rPr lang="zh-CN" altLang="en-US" dirty="0" smtClean="0"/>
+              <a:t>型</a:t>
+            </a:r>
+            <a:endParaRPr lang="en-US" altLang="zh-CN" dirty="0"/>
+          </a:p>
+          <a:p>
+            <a:pPr lvl="1"/>
             <a:r>
               <a:rPr lang="en-US" altLang="zh-CN" dirty="0"/>
               <a:t>IO</a:t>
             </a:r>
             <a:r>
               <a:rPr lang="zh-CN" altLang="en-US" dirty="0"/>
-              <a:t>框</a:t>
-            </a:r>
-            <a:r>
-              <a:rPr lang="zh-CN" altLang="en-US" dirty="0" smtClean="0"/>
-              <a:t>架（</a:t>
-            </a:r>
-            <a:r>
-              <a:rPr lang="en-US" altLang="zh-CN" dirty="0" smtClean="0"/>
-              <a:t>Node</a:t>
-            </a:r>
-            <a:r>
-              <a:rPr lang="zh-CN" altLang="en-US" dirty="0" smtClean="0"/>
-              <a:t>）</a:t>
-            </a:r>
-            <a:endParaRPr lang="en-US" altLang="zh-CN" dirty="0" smtClean="0"/>
-          </a:p>
-          <a:p>
-            <a:endParaRPr lang="en-US" altLang="zh-CN" dirty="0" smtClean="0"/>
-          </a:p>
-          <a:p>
-            <a:r>
-              <a:rPr lang="en-US" altLang="zh-CN" dirty="0"/>
-              <a:t>Node</a:t>
-            </a:r>
-            <a:r>
-              <a:rPr lang="zh-CN" altLang="en-US" dirty="0"/>
-              <a:t>的应用场景 </a:t>
-            </a:r>
-            <a:r>
-              <a:rPr lang="en-US" altLang="zh-CN" dirty="0"/>
-              <a:t>IO</a:t>
-            </a:r>
-            <a:r>
-              <a:rPr lang="zh-CN" altLang="en-US" dirty="0"/>
-              <a:t>密集</a:t>
-            </a:r>
-            <a:r>
-              <a:rPr lang="zh-CN" altLang="en-US" dirty="0" smtClean="0"/>
-              <a:t>型</a:t>
-            </a:r>
-            <a:endParaRPr lang="en-US" altLang="zh-CN" dirty="0"/>
-          </a:p>
-          <a:p>
-            <a:pPr lvl="1"/>
-            <a:r>
-              <a:rPr lang="en-US" altLang="zh-CN" dirty="0"/>
-              <a:t>IO</a:t>
-            </a:r>
-            <a:r>
-              <a:rPr lang="zh-CN" altLang="en-US" dirty="0"/>
               <a:t>密集型：比如 接收一个前端请求</a:t>
             </a:r>
             <a:r>
@@ -7437,7 +7779,19 @@
           <a:p>
             <a:r>
               <a:rPr lang="zh-CN" altLang="en-US" dirty="0" smtClean="0"/>
-              <a:t>单机处理并发</a:t>
+              <a:t>单机处理并</a:t>
+            </a:r>
+            <a:r>
+              <a:rPr lang="zh-CN" altLang="en-US" dirty="0" smtClean="0"/>
+              <a:t>发（</a:t>
+            </a:r>
+            <a:r>
+              <a:rPr lang="en-US" altLang="zh-CN" dirty="0"/>
+              <a:t> C10k</a:t>
+            </a:r>
+            <a:r>
+              <a:rPr lang="zh-CN" altLang="en-US" dirty="0"/>
+              <a:t>问题）</a:t>
             </a:r>
             <a:endParaRPr lang="en-US" altLang="zh-CN" dirty="0" smtClean="0"/>
           </a:p>
@@ -7452,8 +7806,13 @@
             <a:pPr lvl="1"/>
             <a:r>
               <a:rPr lang="en-US" altLang="zh-CN" dirty="0" smtClean="0"/>
-              <a:t>Node.js  2w~3w</a:t>
-            </a:r>
+              <a:t>Node.js  </a:t>
+            </a:r>
+            <a:r>
+              <a:rPr lang="en-US" altLang="zh-CN" dirty="0" smtClean="0"/>
+              <a:t>2w~3w </a:t>
+            </a:r>
+            <a:endParaRPr lang="en-US" altLang="zh-CN" dirty="0" smtClean="0"/>
           </a:p>
           <a:p>
             <a:endParaRPr lang="en-US" altLang="zh-CN" dirty="0" smtClean="0"/>
@@ -7558,11 +7917,7 @@
           <a:p>
             <a:r>
               <a:rPr lang="zh-CN" altLang="en-US" dirty="0" smtClean="0"/>
-              <a:t>同</a:t>
-            </a:r>
-            <a:r>
-              <a:rPr lang="zh-CN" altLang="en-US" dirty="0" smtClean="0"/>
-              <a:t>步</a:t>
+              <a:t>同步</a:t>
             </a:r>
             <a:r>
               <a:rPr lang="en-US" altLang="zh-CN" dirty="0" smtClean="0"/>
@@ -7574,15 +7929,7 @@
             </a:r>
             <a:r>
               <a:rPr lang="zh-CN" altLang="en-US" dirty="0" smtClean="0"/>
-              <a:t>、</a:t>
-            </a:r>
-            <a:r>
-              <a:rPr lang="zh-CN" altLang="en-US" dirty="0" smtClean="0"/>
-              <a:t>异</a:t>
-            </a:r>
-            <a:r>
-              <a:rPr lang="zh-CN" altLang="en-US" dirty="0" smtClean="0"/>
-              <a:t>步</a:t>
+              <a:t>、异步</a:t>
             </a:r>
             <a:r>
               <a:rPr lang="en-US" altLang="zh-CN" dirty="0" smtClean="0"/>
@@ -7598,15 +7945,7 @@
             </a:r>
             <a:r>
               <a:rPr lang="zh-CN" altLang="en-US" dirty="0" smtClean="0"/>
-              <a:t>，</a:t>
-            </a:r>
-            <a:r>
-              <a:rPr lang="zh-CN" altLang="en-US" dirty="0" smtClean="0"/>
-              <a:t>阻</a:t>
-            </a:r>
-            <a:r>
-              <a:rPr lang="zh-CN" altLang="en-US" dirty="0" smtClean="0"/>
-              <a:t>塞</a:t>
+              <a:t>，阻塞</a:t>
             </a:r>
             <a:r>
               <a:rPr lang="en-US" altLang="zh-CN" dirty="0" smtClean="0"/>
@@ -7614,21 +7953,12 @@
             </a:r>
             <a:r>
               <a:rPr lang="zh-CN" altLang="en-US" dirty="0" smtClean="0"/>
-              <a:t>、</a:t>
-            </a:r>
-            <a:r>
-              <a:rPr lang="zh-CN" altLang="en-US" dirty="0" smtClean="0"/>
-              <a:t>非阻</a:t>
-            </a:r>
-            <a:r>
-              <a:rPr lang="zh-CN" altLang="en-US" dirty="0" smtClean="0"/>
-              <a:t>塞</a:t>
+              <a:t>、非阻塞</a:t>
             </a:r>
             <a:r>
               <a:rPr lang="en-US" altLang="zh-CN" dirty="0" smtClean="0"/>
               <a:t>(no-block)</a:t>
             </a:r>
-            <a:endParaRPr lang="en-US" altLang="zh-CN" dirty="0" smtClean="0"/>
           </a:p>
           <a:p>
             <a:endParaRPr lang="zh-CN" altLang="en-US" dirty="0"/>
@@ -8184,7 +8514,11 @@
           <a:p>
             <a:r>
               <a:rPr lang="en-US" altLang="zh-CN" dirty="0" smtClean="0"/>
-              <a:t>Q&amp;A</a:t>
+              <a:t>Q</a:t>
+            </a:r>
+            <a:r>
+              <a:rPr lang="en-US" altLang="zh-CN" dirty="0" smtClean="0"/>
+              <a:t>&amp;A</a:t>
             </a:r>
             <a:endParaRPr lang="zh-CN" altLang="en-US" dirty="0"/>
           </a:p>

--- a/node后端技术分享.pptx
+++ b/node后端技术分享.pptx
@@ -1129,11 +1129,11 @@
           <a:pPr rtl="0"/>
           <a:r>
             <a:rPr lang="zh-CN" dirty="0" smtClean="0"/>
-            <a:t>多线程</a:t>
+            <a:t>多线</a:t>
           </a:r>
           <a:r>
-            <a:rPr lang="zh-CN" altLang="en-US" dirty="0" smtClean="0"/>
-            <a:t>（同时处理几千个请求）</a:t>
+            <a:rPr lang="zh-CN" dirty="0" smtClean="0"/>
+            <a:t>程</a:t>
           </a:r>
           <a:endParaRPr lang="zh-CN" dirty="0"/>
         </a:p>
@@ -1171,11 +1171,11 @@
           <a:pPr rtl="0"/>
           <a:r>
             <a:rPr lang="zh-CN" dirty="0" smtClean="0"/>
-            <a:t>事件驱动</a:t>
+            <a:t>事件驱</a:t>
           </a:r>
           <a:r>
-            <a:rPr lang="zh-CN" altLang="en-US" dirty="0" smtClean="0"/>
-            <a:t>（异步非阻塞）</a:t>
+            <a:rPr lang="zh-CN" dirty="0" smtClean="0"/>
+            <a:t>动</a:t>
           </a:r>
           <a:r>
             <a:rPr lang="en-US" altLang="zh-CN" dirty="0" smtClean="0"/>
@@ -1184,18 +1184,6 @@
           <a:r>
             <a:rPr lang="zh-CN" altLang="en-US" dirty="0" smtClean="0"/>
             <a:t>协程</a:t>
-          </a:r>
-          <a:r>
-            <a:rPr lang="zh-CN" dirty="0" smtClean="0"/>
-            <a:t>（</a:t>
-          </a:r>
-          <a:r>
-            <a:rPr lang="zh-CN" altLang="en-US" dirty="0" smtClean="0"/>
-            <a:t>同时处理几万个请求</a:t>
-          </a:r>
-          <a:r>
-            <a:rPr lang="zh-CN" dirty="0" smtClean="0"/>
-            <a:t>）</a:t>
           </a:r>
           <a:endParaRPr lang="zh-CN" dirty="0"/>
         </a:p>
@@ -1399,6 +1387,90 @@
         </a:p>
       </dgm:t>
     </dgm:pt>
+    <dgm:pt modelId="{7BC17C9F-CB92-48A8-9AF3-3AFDFD754C07}">
+      <dgm:prSet/>
+      <dgm:spPr/>
+      <dgm:t>
+        <a:bodyPr/>
+        <a:lstStyle/>
+        <a:p>
+          <a:pPr rtl="0"/>
+          <a:r>
+            <a:rPr lang="zh-CN" altLang="en-US" dirty="0" smtClean="0"/>
+            <a:t>同</a:t>
+          </a:r>
+          <a:r>
+            <a:rPr lang="zh-CN" altLang="en-US" dirty="0" smtClean="0"/>
+            <a:t>时处理几千个请</a:t>
+          </a:r>
+          <a:r>
+            <a:rPr lang="zh-CN" altLang="en-US" dirty="0" smtClean="0"/>
+            <a:t>求</a:t>
+          </a:r>
+          <a:endParaRPr lang="zh-CN" dirty="0"/>
+        </a:p>
+      </dgm:t>
+    </dgm:pt>
+    <dgm:pt modelId="{6F9BCBC4-1F54-4EBB-982A-5335C6EAE0A1}" type="parTrans" cxnId="{D361D83F-CA73-4F2F-9175-7CCE99579865}">
+      <dgm:prSet/>
+      <dgm:spPr/>
+      <dgm:t>
+        <a:bodyPr/>
+        <a:lstStyle/>
+        <a:p>
+          <a:endParaRPr lang="zh-CN" altLang="en-US"/>
+        </a:p>
+      </dgm:t>
+    </dgm:pt>
+    <dgm:pt modelId="{F564C07D-EC05-4C6C-BDFB-7CFED305E3A7}" type="sibTrans" cxnId="{D361D83F-CA73-4F2F-9175-7CCE99579865}">
+      <dgm:prSet/>
+      <dgm:spPr/>
+      <dgm:t>
+        <a:bodyPr/>
+        <a:lstStyle/>
+        <a:p>
+          <a:endParaRPr lang="zh-CN" altLang="en-US"/>
+        </a:p>
+      </dgm:t>
+    </dgm:pt>
+    <dgm:pt modelId="{C0D0ECED-965D-43B8-A5CC-1A22C51B37B4}">
+      <dgm:prSet/>
+      <dgm:spPr/>
+      <dgm:t>
+        <a:bodyPr/>
+        <a:lstStyle/>
+        <a:p>
+          <a:pPr rtl="0"/>
+          <a:r>
+            <a:rPr lang="zh-CN" altLang="en-US" dirty="0" smtClean="0"/>
+            <a:t>同时处理几万个请求</a:t>
+          </a:r>
+          <a:endParaRPr lang="zh-CN" dirty="0"/>
+        </a:p>
+      </dgm:t>
+    </dgm:pt>
+    <dgm:pt modelId="{BE38E969-2A83-48B9-9E35-3B9F7EC98980}" type="parTrans" cxnId="{9F72C5B6-68D0-40BB-A621-568F3A8F55ED}">
+      <dgm:prSet/>
+      <dgm:spPr/>
+      <dgm:t>
+        <a:bodyPr/>
+        <a:lstStyle/>
+        <a:p>
+          <a:endParaRPr lang="zh-CN" altLang="en-US"/>
+        </a:p>
+      </dgm:t>
+    </dgm:pt>
+    <dgm:pt modelId="{47DB8CE5-7256-4B3E-9666-5DF648F66A2B}" type="sibTrans" cxnId="{9F72C5B6-68D0-40BB-A621-568F3A8F55ED}">
+      <dgm:prSet/>
+      <dgm:spPr/>
+      <dgm:t>
+        <a:bodyPr/>
+        <a:lstStyle/>
+        <a:p>
+          <a:endParaRPr lang="zh-CN" altLang="en-US"/>
+        </a:p>
+      </dgm:t>
+    </dgm:pt>
     <dgm:pt modelId="{8F40C4A4-BF5B-4F8A-A04B-6889E09D6D70}" type="pres">
       <dgm:prSet presAssocID="{8A261A4F-7A48-45CA-9FBD-A280F970A46B}" presName="Name0" presStyleCnt="0">
         <dgm:presLayoutVars>
@@ -1543,37 +1615,41 @@
     </dgm:pt>
   </dgm:ptLst>
   <dgm:cxnLst>
+    <dgm:cxn modelId="{BBCB224C-4779-4840-9A03-B554E09DB669}" srcId="{8A261A4F-7A48-45CA-9FBD-A280F970A46B}" destId="{A43ED617-4939-4610-8C46-6D22CD47D3C4}" srcOrd="1" destOrd="0" parTransId="{1D0471E2-10ED-4853-9150-152B3C32EF2B}" sibTransId="{5704BF90-F9B4-4FE0-AF66-E4B2033F9BB3}"/>
+    <dgm:cxn modelId="{61B9829D-7317-4563-AD06-BDB7606F7729}" srcId="{7E981A4A-F219-4771-BF9B-028170AC801C}" destId="{5B59366F-7D0A-4290-A0B6-B6D0DEBCE63C}" srcOrd="2" destOrd="0" parTransId="{3322785A-9117-4489-850D-B5060043E365}" sibTransId="{394D7B2F-2639-4F35-A80F-FBDC2D2C3280}"/>
+    <dgm:cxn modelId="{A139A7D1-BBE2-4B04-86F9-1645A5A8D6BA}" type="presOf" srcId="{F8478F00-4641-45E5-8D26-72B755BFE108}" destId="{AC6FD07A-9682-41F5-8374-B3E0339968CE}" srcOrd="0" destOrd="1" presId="urn:microsoft.com/office/officeart/2005/8/layout/process1"/>
+    <dgm:cxn modelId="{550CB493-72A0-49E3-A7DF-AD20F2697ECE}" type="presOf" srcId="{404C8900-B391-43FF-8D36-BFB974B4C042}" destId="{5EEF93BA-5C18-4673-8B91-F20771324E8B}" srcOrd="0" destOrd="4" presId="urn:microsoft.com/office/officeart/2005/8/layout/process1"/>
+    <dgm:cxn modelId="{4305F3D0-EA8C-41CD-AFEB-13CF89D86A4C}" type="presOf" srcId="{7BC17C9F-CB92-48A8-9AF3-3AFDFD754C07}" destId="{5EEF93BA-5C18-4673-8B91-F20771324E8B}" srcOrd="0" destOrd="2" presId="urn:microsoft.com/office/officeart/2005/8/layout/process1"/>
+    <dgm:cxn modelId="{ECE3625F-5D53-4C48-ABA3-649181D9415B}" type="presOf" srcId="{5704BF90-F9B4-4FE0-AF66-E4B2033F9BB3}" destId="{1AC5BF14-9A6A-499B-B964-5471A0CFC106}" srcOrd="0" destOrd="0" presId="urn:microsoft.com/office/officeart/2005/8/layout/process1"/>
+    <dgm:cxn modelId="{533183CE-17E4-44A3-B315-F3FE9DCC65B8}" srcId="{7320E6F1-C90F-45D6-A2C9-4CF1CC09B3A9}" destId="{C5803306-04CC-4687-8777-D37373EF9487}" srcOrd="2" destOrd="0" parTransId="{535340E3-45F5-49A2-ADB9-FB2186AABD93}" sibTransId="{BD9AED6A-1C48-44C0-8A51-0F4A4E50E9AC}"/>
+    <dgm:cxn modelId="{AA6CA7FE-D04A-4298-A185-05E424290996}" type="presOf" srcId="{8A261A4F-7A48-45CA-9FBD-A280F970A46B}" destId="{8F40C4A4-BF5B-4F8A-A04B-6889E09D6D70}" srcOrd="0" destOrd="0" presId="urn:microsoft.com/office/officeart/2005/8/layout/process1"/>
+    <dgm:cxn modelId="{D361D83F-CA73-4F2F-9175-7CCE99579865}" srcId="{7E981A4A-F219-4771-BF9B-028170AC801C}" destId="{7BC17C9F-CB92-48A8-9AF3-3AFDFD754C07}" srcOrd="1" destOrd="0" parTransId="{6F9BCBC4-1F54-4EBB-982A-5335C6EAE0A1}" sibTransId="{F564C07D-EC05-4C6C-BDFB-7CFED305E3A7}"/>
+    <dgm:cxn modelId="{8097A252-F20D-4CD7-9AB8-38EA8296206E}" type="presOf" srcId="{60CB8A16-CA45-41FB-862D-470D20D104A3}" destId="{DAB30413-415F-465F-8B1A-0244097C761E}" srcOrd="0" destOrd="1" presId="urn:microsoft.com/office/officeart/2005/8/layout/process1"/>
+    <dgm:cxn modelId="{4A2E38CF-5027-44C8-A89F-126F922FEFB4}" type="presOf" srcId="{57068666-B5C7-40AC-A984-69A608C838F2}" destId="{689D4E3B-B5D7-444E-903B-D1210F92931C}" srcOrd="0" destOrd="1" presId="urn:microsoft.com/office/officeart/2005/8/layout/process1"/>
+    <dgm:cxn modelId="{E72E0338-577E-4B5E-8865-CBB20BC5474F}" srcId="{23C88637-3458-484C-BBC0-829C448B200A}" destId="{60CB8A16-CA45-41FB-862D-470D20D104A3}" srcOrd="0" destOrd="0" parTransId="{CA38AD97-D1D0-4215-A252-7C2188FF5F7E}" sibTransId="{334A846A-B067-4C55-BCD1-A96CF313B0BC}"/>
+    <dgm:cxn modelId="{F72283C0-D99D-4FAA-88B5-1E160CC98558}" type="presOf" srcId="{23C88637-3458-484C-BBC0-829C448B200A}" destId="{DAB30413-415F-465F-8B1A-0244097C761E}" srcOrd="0" destOrd="0" presId="urn:microsoft.com/office/officeart/2005/8/layout/process1"/>
+    <dgm:cxn modelId="{E5CC8812-A20B-4FEA-BF89-CE1310F3308D}" type="presOf" srcId="{5704BF90-F9B4-4FE0-AF66-E4B2033F9BB3}" destId="{6E971538-FA26-4EDF-9C91-01DDF517F885}" srcOrd="1" destOrd="0" presId="urn:microsoft.com/office/officeart/2005/8/layout/process1"/>
+    <dgm:cxn modelId="{2C6D940E-1E17-4DE4-BC32-711F42F27F64}" type="presOf" srcId="{30A3ACB7-E678-47FC-A52A-26331D70241F}" destId="{689D4E3B-B5D7-444E-903B-D1210F92931C}" srcOrd="0" destOrd="4" presId="urn:microsoft.com/office/officeart/2005/8/layout/process1"/>
+    <dgm:cxn modelId="{9DE3CC4B-D9A6-4A60-A3D2-C0D8A4091A5F}" srcId="{7320E6F1-C90F-45D6-A2C9-4CF1CC09B3A9}" destId="{30A3ACB7-E678-47FC-A52A-26331D70241F}" srcOrd="3" destOrd="0" parTransId="{9C3E5258-987A-450F-A091-ADF57DD199D0}" sibTransId="{FEE2AB70-F386-496F-BE18-BB69D4E79D76}"/>
+    <dgm:cxn modelId="{096AF293-7838-45B9-9272-D53CC7D1C6F2}" srcId="{7E981A4A-F219-4771-BF9B-028170AC801C}" destId="{6B557281-BF58-4821-B938-C886DB5BD9B5}" srcOrd="0" destOrd="0" parTransId="{FCABB420-862D-4617-A0E4-715F53A9BE19}" sibTransId="{24AD0951-8123-47DE-85D6-B174DCF64EB2}"/>
+    <dgm:cxn modelId="{4E7D9B73-0C6F-44C5-845F-4FF764686894}" type="presOf" srcId="{C0D0ECED-965D-43B8-A5CC-1A22C51B37B4}" destId="{689D4E3B-B5D7-444E-903B-D1210F92931C}" srcOrd="0" destOrd="2" presId="urn:microsoft.com/office/officeart/2005/8/layout/process1"/>
+    <dgm:cxn modelId="{9A01AC24-FDE2-4423-8E6A-76FD77D44072}" type="presOf" srcId="{4FB4FE73-5B26-465D-A7E9-75CFB1007681}" destId="{1F4E9629-F9AA-4B8E-BF3C-5E50FC13B260}" srcOrd="1" destOrd="0" presId="urn:microsoft.com/office/officeart/2005/8/layout/process1"/>
     <dgm:cxn modelId="{974F70D6-6416-4734-A6AA-58C759E95EF6}" srcId="{A43ED617-4939-4610-8C46-6D22CD47D3C4}" destId="{F8478F00-4641-45E5-8D26-72B755BFE108}" srcOrd="0" destOrd="0" parTransId="{05F85009-6603-476A-859F-B9660DBF7678}" sibTransId="{D2564793-24BF-40D6-848F-E7616D5BB2ED}"/>
-    <dgm:cxn modelId="{7EF65F01-5A6A-4FC9-BFA7-0BC46CD9E05D}" srcId="{7E981A4A-F219-4771-BF9B-028170AC801C}" destId="{404C8900-B391-43FF-8D36-BFB974B4C042}" srcOrd="2" destOrd="0" parTransId="{03EBF5A9-2B07-4A31-8A3D-6F424C7612E8}" sibTransId="{415A131B-E356-42FB-B83D-359694D9AB5B}"/>
-    <dgm:cxn modelId="{9DE3CC4B-D9A6-4A60-A3D2-C0D8A4091A5F}" srcId="{7320E6F1-C90F-45D6-A2C9-4CF1CC09B3A9}" destId="{30A3ACB7-E678-47FC-A52A-26331D70241F}" srcOrd="2" destOrd="0" parTransId="{9C3E5258-987A-450F-A091-ADF57DD199D0}" sibTransId="{FEE2AB70-F386-496F-BE18-BB69D4E79D76}"/>
-    <dgm:cxn modelId="{9A01AC24-FDE2-4423-8E6A-76FD77D44072}" type="presOf" srcId="{4FB4FE73-5B26-465D-A7E9-75CFB1007681}" destId="{1F4E9629-F9AA-4B8E-BF3C-5E50FC13B260}" srcOrd="1" destOrd="0" presId="urn:microsoft.com/office/officeart/2005/8/layout/process1"/>
-    <dgm:cxn modelId="{BBCB224C-4779-4840-9A03-B554E09DB669}" srcId="{8A261A4F-7A48-45CA-9FBD-A280F970A46B}" destId="{A43ED617-4939-4610-8C46-6D22CD47D3C4}" srcOrd="1" destOrd="0" parTransId="{1D0471E2-10ED-4853-9150-152B3C32EF2B}" sibTransId="{5704BF90-F9B4-4FE0-AF66-E4B2033F9BB3}"/>
-    <dgm:cxn modelId="{AEC97F51-6962-4F38-8525-160EEE6D93B4}" type="presOf" srcId="{5B59366F-7D0A-4290-A0B6-B6D0DEBCE63C}" destId="{5EEF93BA-5C18-4673-8B91-F20771324E8B}" srcOrd="0" destOrd="2" presId="urn:microsoft.com/office/officeart/2005/8/layout/process1"/>
+    <dgm:cxn modelId="{284AC258-1ED4-4645-BD0B-F3C1E1108B36}" type="presOf" srcId="{4FB4FE73-5B26-465D-A7E9-75CFB1007681}" destId="{70FC2123-2839-4467-BED7-0296FF7F7003}" srcOrd="0" destOrd="0" presId="urn:microsoft.com/office/officeart/2005/8/layout/process1"/>
+    <dgm:cxn modelId="{9F72C5B6-68D0-40BB-A621-568F3A8F55ED}" srcId="{7320E6F1-C90F-45D6-A2C9-4CF1CC09B3A9}" destId="{C0D0ECED-965D-43B8-A5CC-1A22C51B37B4}" srcOrd="1" destOrd="0" parTransId="{BE38E969-2A83-48B9-9E35-3B9F7EC98980}" sibTransId="{47DB8CE5-7256-4B3E-9666-5DF648F66A2B}"/>
+    <dgm:cxn modelId="{13DBFAF4-702A-43BD-8BDE-19FB935BB3F2}" srcId="{8A261A4F-7A48-45CA-9FBD-A280F970A46B}" destId="{7E981A4A-F219-4771-BF9B-028170AC801C}" srcOrd="2" destOrd="0" parTransId="{4AF4BF6E-E2AC-4A69-885F-CF3581F9A733}" sibTransId="{4FB4FE73-5B26-465D-A7E9-75CFB1007681}"/>
+    <dgm:cxn modelId="{A65EB492-9B87-4D58-B6D5-53642E949715}" srcId="{7320E6F1-C90F-45D6-A2C9-4CF1CC09B3A9}" destId="{57068666-B5C7-40AC-A984-69A608C838F2}" srcOrd="0" destOrd="0" parTransId="{68CFDFBE-3F79-4B54-88F0-6A3B5F3F99E2}" sibTransId="{399D65C4-2471-425D-817E-CDC05CF1E954}"/>
+    <dgm:cxn modelId="{F7A60086-1024-44AA-B9E5-F17A6BACCE3B}" type="presOf" srcId="{7320E6F1-C90F-45D6-A2C9-4CF1CC09B3A9}" destId="{689D4E3B-B5D7-444E-903B-D1210F92931C}" srcOrd="0" destOrd="0" presId="urn:microsoft.com/office/officeart/2005/8/layout/process1"/>
+    <dgm:cxn modelId="{AEC97F51-6962-4F38-8525-160EEE6D93B4}" type="presOf" srcId="{5B59366F-7D0A-4290-A0B6-B6D0DEBCE63C}" destId="{5EEF93BA-5C18-4673-8B91-F20771324E8B}" srcOrd="0" destOrd="3" presId="urn:microsoft.com/office/officeart/2005/8/layout/process1"/>
+    <dgm:cxn modelId="{A22B7530-621E-4612-AA1D-894C2913D649}" srcId="{8A261A4F-7A48-45CA-9FBD-A280F970A46B}" destId="{7320E6F1-C90F-45D6-A2C9-4CF1CC09B3A9}" srcOrd="3" destOrd="0" parTransId="{363DEE25-9672-4B01-A24A-78517EDBDCBB}" sibTransId="{EB620623-2A89-46EB-A28E-FC163835E7ED}"/>
+    <dgm:cxn modelId="{88F52C2A-5594-4BE9-9B6E-E9AE42022D5B}" type="presOf" srcId="{6B557281-BF58-4821-B938-C886DB5BD9B5}" destId="{5EEF93BA-5C18-4673-8B91-F20771324E8B}" srcOrd="0" destOrd="1" presId="urn:microsoft.com/office/officeart/2005/8/layout/process1"/>
+    <dgm:cxn modelId="{D3044D29-0F60-49E0-A75F-C25C9F8E41B0}" type="presOf" srcId="{A43ED617-4939-4610-8C46-6D22CD47D3C4}" destId="{AC6FD07A-9682-41F5-8374-B3E0339968CE}" srcOrd="0" destOrd="0" presId="urn:microsoft.com/office/officeart/2005/8/layout/process1"/>
     <dgm:cxn modelId="{885C9AB6-DF6C-4CA4-B80B-28FB5E592108}" srcId="{8A261A4F-7A48-45CA-9FBD-A280F970A46B}" destId="{23C88637-3458-484C-BBC0-829C448B200A}" srcOrd="0" destOrd="0" parTransId="{D0B5D711-EE6C-493F-A6D9-E40771DB9D99}" sibTransId="{C1E4E9F6-CC7E-4963-B33B-D6E939F93B84}"/>
     <dgm:cxn modelId="{7B1C40F1-4AF0-4B92-9AE0-676B9C699C0E}" type="presOf" srcId="{C1E4E9F6-CC7E-4963-B33B-D6E939F93B84}" destId="{627864BF-B31F-4DCF-952A-B2CF598ED5FF}" srcOrd="0" destOrd="0" presId="urn:microsoft.com/office/officeart/2005/8/layout/process1"/>
-    <dgm:cxn modelId="{550CB493-72A0-49E3-A7DF-AD20F2697ECE}" type="presOf" srcId="{404C8900-B391-43FF-8D36-BFB974B4C042}" destId="{5EEF93BA-5C18-4673-8B91-F20771324E8B}" srcOrd="0" destOrd="3" presId="urn:microsoft.com/office/officeart/2005/8/layout/process1"/>
-    <dgm:cxn modelId="{096AF293-7838-45B9-9272-D53CC7D1C6F2}" srcId="{7E981A4A-F219-4771-BF9B-028170AC801C}" destId="{6B557281-BF58-4821-B938-C886DB5BD9B5}" srcOrd="0" destOrd="0" parTransId="{FCABB420-862D-4617-A0E4-715F53A9BE19}" sibTransId="{24AD0951-8123-47DE-85D6-B174DCF64EB2}"/>
     <dgm:cxn modelId="{CCF0AE30-C11B-4423-8842-86FF28F0B1D5}" type="presOf" srcId="{7E981A4A-F219-4771-BF9B-028170AC801C}" destId="{5EEF93BA-5C18-4673-8B91-F20771324E8B}" srcOrd="0" destOrd="0" presId="urn:microsoft.com/office/officeart/2005/8/layout/process1"/>
-    <dgm:cxn modelId="{2C6D940E-1E17-4DE4-BC32-711F42F27F64}" type="presOf" srcId="{30A3ACB7-E678-47FC-A52A-26331D70241F}" destId="{689D4E3B-B5D7-444E-903B-D1210F92931C}" srcOrd="0" destOrd="3" presId="urn:microsoft.com/office/officeart/2005/8/layout/process1"/>
-    <dgm:cxn modelId="{88F52C2A-5594-4BE9-9B6E-E9AE42022D5B}" type="presOf" srcId="{6B557281-BF58-4821-B938-C886DB5BD9B5}" destId="{5EEF93BA-5C18-4673-8B91-F20771324E8B}" srcOrd="0" destOrd="1" presId="urn:microsoft.com/office/officeart/2005/8/layout/process1"/>
-    <dgm:cxn modelId="{A139A7D1-BBE2-4B04-86F9-1645A5A8D6BA}" type="presOf" srcId="{F8478F00-4641-45E5-8D26-72B755BFE108}" destId="{AC6FD07A-9682-41F5-8374-B3E0339968CE}" srcOrd="0" destOrd="1" presId="urn:microsoft.com/office/officeart/2005/8/layout/process1"/>
-    <dgm:cxn modelId="{E72E0338-577E-4B5E-8865-CBB20BC5474F}" srcId="{23C88637-3458-484C-BBC0-829C448B200A}" destId="{60CB8A16-CA45-41FB-862D-470D20D104A3}" srcOrd="0" destOrd="0" parTransId="{CA38AD97-D1D0-4215-A252-7C2188FF5F7E}" sibTransId="{334A846A-B067-4C55-BCD1-A96CF313B0BC}"/>
-    <dgm:cxn modelId="{284AC258-1ED4-4645-BD0B-F3C1E1108B36}" type="presOf" srcId="{4FB4FE73-5B26-465D-A7E9-75CFB1007681}" destId="{70FC2123-2839-4467-BED7-0296FF7F7003}" srcOrd="0" destOrd="0" presId="urn:microsoft.com/office/officeart/2005/8/layout/process1"/>
-    <dgm:cxn modelId="{E5CC8812-A20B-4FEA-BF89-CE1310F3308D}" type="presOf" srcId="{5704BF90-F9B4-4FE0-AF66-E4B2033F9BB3}" destId="{6E971538-FA26-4EDF-9C91-01DDF517F885}" srcOrd="1" destOrd="0" presId="urn:microsoft.com/office/officeart/2005/8/layout/process1"/>
+    <dgm:cxn modelId="{A8278B7F-B1B8-4894-A696-9CE66A985031}" type="presOf" srcId="{C5803306-04CC-4687-8777-D37373EF9487}" destId="{689D4E3B-B5D7-444E-903B-D1210F92931C}" srcOrd="0" destOrd="3" presId="urn:microsoft.com/office/officeart/2005/8/layout/process1"/>
+    <dgm:cxn modelId="{7EF65F01-5A6A-4FC9-BFA7-0BC46CD9E05D}" srcId="{7E981A4A-F219-4771-BF9B-028170AC801C}" destId="{404C8900-B391-43FF-8D36-BFB974B4C042}" srcOrd="3" destOrd="0" parTransId="{03EBF5A9-2B07-4A31-8A3D-6F424C7612E8}" sibTransId="{415A131B-E356-42FB-B83D-359694D9AB5B}"/>
     <dgm:cxn modelId="{4E4BCC6B-AA37-4F77-821E-9CDC0DF4260F}" type="presOf" srcId="{C1E4E9F6-CC7E-4963-B33B-D6E939F93B84}" destId="{BA4F96EA-1A10-492A-A88E-2A0F4E0BCBBA}" srcOrd="1" destOrd="0" presId="urn:microsoft.com/office/officeart/2005/8/layout/process1"/>
-    <dgm:cxn modelId="{D3044D29-0F60-49E0-A75F-C25C9F8E41B0}" type="presOf" srcId="{A43ED617-4939-4610-8C46-6D22CD47D3C4}" destId="{AC6FD07A-9682-41F5-8374-B3E0339968CE}" srcOrd="0" destOrd="0" presId="urn:microsoft.com/office/officeart/2005/8/layout/process1"/>
-    <dgm:cxn modelId="{A22B7530-621E-4612-AA1D-894C2913D649}" srcId="{8A261A4F-7A48-45CA-9FBD-A280F970A46B}" destId="{7320E6F1-C90F-45D6-A2C9-4CF1CC09B3A9}" srcOrd="3" destOrd="0" parTransId="{363DEE25-9672-4B01-A24A-78517EDBDCBB}" sibTransId="{EB620623-2A89-46EB-A28E-FC163835E7ED}"/>
-    <dgm:cxn modelId="{AA6CA7FE-D04A-4298-A185-05E424290996}" type="presOf" srcId="{8A261A4F-7A48-45CA-9FBD-A280F970A46B}" destId="{8F40C4A4-BF5B-4F8A-A04B-6889E09D6D70}" srcOrd="0" destOrd="0" presId="urn:microsoft.com/office/officeart/2005/8/layout/process1"/>
-    <dgm:cxn modelId="{F72283C0-D99D-4FAA-88B5-1E160CC98558}" type="presOf" srcId="{23C88637-3458-484C-BBC0-829C448B200A}" destId="{DAB30413-415F-465F-8B1A-0244097C761E}" srcOrd="0" destOrd="0" presId="urn:microsoft.com/office/officeart/2005/8/layout/process1"/>
-    <dgm:cxn modelId="{F7A60086-1024-44AA-B9E5-F17A6BACCE3B}" type="presOf" srcId="{7320E6F1-C90F-45D6-A2C9-4CF1CC09B3A9}" destId="{689D4E3B-B5D7-444E-903B-D1210F92931C}" srcOrd="0" destOrd="0" presId="urn:microsoft.com/office/officeart/2005/8/layout/process1"/>
-    <dgm:cxn modelId="{8097A252-F20D-4CD7-9AB8-38EA8296206E}" type="presOf" srcId="{60CB8A16-CA45-41FB-862D-470D20D104A3}" destId="{DAB30413-415F-465F-8B1A-0244097C761E}" srcOrd="0" destOrd="1" presId="urn:microsoft.com/office/officeart/2005/8/layout/process1"/>
-    <dgm:cxn modelId="{4A2E38CF-5027-44C8-A89F-126F922FEFB4}" type="presOf" srcId="{57068666-B5C7-40AC-A984-69A608C838F2}" destId="{689D4E3B-B5D7-444E-903B-D1210F92931C}" srcOrd="0" destOrd="1" presId="urn:microsoft.com/office/officeart/2005/8/layout/process1"/>
-    <dgm:cxn modelId="{61B9829D-7317-4563-AD06-BDB7606F7729}" srcId="{7E981A4A-F219-4771-BF9B-028170AC801C}" destId="{5B59366F-7D0A-4290-A0B6-B6D0DEBCE63C}" srcOrd="1" destOrd="0" parTransId="{3322785A-9117-4489-850D-B5060043E365}" sibTransId="{394D7B2F-2639-4F35-A80F-FBDC2D2C3280}"/>
-    <dgm:cxn modelId="{533183CE-17E4-44A3-B315-F3FE9DCC65B8}" srcId="{7320E6F1-C90F-45D6-A2C9-4CF1CC09B3A9}" destId="{C5803306-04CC-4687-8777-D37373EF9487}" srcOrd="1" destOrd="0" parTransId="{535340E3-45F5-49A2-ADB9-FB2186AABD93}" sibTransId="{BD9AED6A-1C48-44C0-8A51-0F4A4E50E9AC}"/>
-    <dgm:cxn modelId="{ECE3625F-5D53-4C48-ABA3-649181D9415B}" type="presOf" srcId="{5704BF90-F9B4-4FE0-AF66-E4B2033F9BB3}" destId="{1AC5BF14-9A6A-499B-B964-5471A0CFC106}" srcOrd="0" destOrd="0" presId="urn:microsoft.com/office/officeart/2005/8/layout/process1"/>
-    <dgm:cxn modelId="{A8278B7F-B1B8-4894-A696-9CE66A985031}" type="presOf" srcId="{C5803306-04CC-4687-8777-D37373EF9487}" destId="{689D4E3B-B5D7-444E-903B-D1210F92931C}" srcOrd="0" destOrd="2" presId="urn:microsoft.com/office/officeart/2005/8/layout/process1"/>
-    <dgm:cxn modelId="{13DBFAF4-702A-43BD-8BDE-19FB935BB3F2}" srcId="{8A261A4F-7A48-45CA-9FBD-A280F970A46B}" destId="{7E981A4A-F219-4771-BF9B-028170AC801C}" srcOrd="2" destOrd="0" parTransId="{4AF4BF6E-E2AC-4A69-885F-CF3581F9A733}" sibTransId="{4FB4FE73-5B26-465D-A7E9-75CFB1007681}"/>
-    <dgm:cxn modelId="{A65EB492-9B87-4D58-B6D5-53642E949715}" srcId="{7320E6F1-C90F-45D6-A2C9-4CF1CC09B3A9}" destId="{57068666-B5C7-40AC-A984-69A608C838F2}" srcOrd="0" destOrd="0" parTransId="{68CFDFBE-3F79-4B54-88F0-6A3B5F3F99E2}" sibTransId="{399D65C4-2471-425D-817E-CDC05CF1E954}"/>
     <dgm:cxn modelId="{F8BC9F0F-3902-4DD5-B1AF-ED287097F421}" type="presParOf" srcId="{8F40C4A4-BF5B-4F8A-A04B-6889E09D6D70}" destId="{DAB30413-415F-465F-8B1A-0244097C761E}" srcOrd="0" destOrd="0" presId="urn:microsoft.com/office/officeart/2005/8/layout/process1"/>
     <dgm:cxn modelId="{2FA6C94C-2E3F-455D-9C19-1E74B5EE4D28}" type="presParOf" srcId="{8F40C4A4-BF5B-4F8A-A04B-6889E09D6D70}" destId="{627864BF-B31F-4DCF-952A-B2CF598ED5FF}" srcOrd="1" destOrd="0" presId="urn:microsoft.com/office/officeart/2005/8/layout/process1"/>
     <dgm:cxn modelId="{E929A4C7-989A-4B31-A914-B7E59FAA9A61}" type="presParOf" srcId="{627864BF-B31F-4DCF-952A-B2CF598ED5FF}" destId="{BA4F96EA-1A10-492A-A88E-2A0F4E0BCBBA}" srcOrd="0" destOrd="0" presId="urn:microsoft.com/office/officeart/2005/8/layout/process1"/>
@@ -1610,8 +1686,8 @@
       </dsp:nvSpPr>
       <dsp:spPr>
         <a:xfrm>
-          <a:off x="4621" y="1306716"/>
-          <a:ext cx="2020453" cy="1737905"/>
+          <a:off x="4621" y="1399057"/>
+          <a:ext cx="2020453" cy="1553223"/>
         </a:xfrm>
         <a:prstGeom prst="roundRect">
           <a:avLst>
@@ -1702,8 +1778,8 @@
         </a:p>
       </dsp:txBody>
       <dsp:txXfrm>
-        <a:off x="55522" y="1357617"/>
-        <a:ext cx="1918651" cy="1636103"/>
+        <a:off x="50113" y="1444549"/>
+        <a:ext cx="1929469" cy="1462239"/>
       </dsp:txXfrm>
     </dsp:sp>
     <dsp:sp modelId="{627864BF-B31F-4DCF-952A-B2CF598ED5FF}">
@@ -1782,8 +1858,8 @@
       </dsp:nvSpPr>
       <dsp:spPr>
         <a:xfrm>
-          <a:off x="2833255" y="1306716"/>
-          <a:ext cx="2020453" cy="1737905"/>
+          <a:off x="2833255" y="1399057"/>
+          <a:ext cx="2020453" cy="1553223"/>
         </a:xfrm>
         <a:prstGeom prst="roundRect">
           <a:avLst>
@@ -1874,8 +1950,8 @@
         </a:p>
       </dsp:txBody>
       <dsp:txXfrm>
-        <a:off x="2884156" y="1357617"/>
-        <a:ext cx="1918651" cy="1636103"/>
+        <a:off x="2878747" y="1444549"/>
+        <a:ext cx="1929469" cy="1462239"/>
       </dsp:txXfrm>
     </dsp:sp>
     <dsp:sp modelId="{1AC5BF14-9A6A-499B-B964-5471A0CFC106}">
@@ -1954,8 +2030,8 @@
       </dsp:nvSpPr>
       <dsp:spPr>
         <a:xfrm>
-          <a:off x="5661890" y="1306716"/>
-          <a:ext cx="2020453" cy="1737905"/>
+          <a:off x="5661890" y="1399057"/>
+          <a:ext cx="2020453" cy="1553223"/>
         </a:xfrm>
         <a:prstGeom prst="roundRect">
           <a:avLst>
@@ -2036,11 +2112,38 @@
           </a:pPr>
           <a:r>
             <a:rPr lang="zh-CN" sz="1400" kern="1200" dirty="0" smtClean="0"/>
-            <a:t>多线程</a:t>
+            <a:t>多线</a:t>
+          </a:r>
+          <a:r>
+            <a:rPr lang="zh-CN" sz="1400" kern="1200" dirty="0" smtClean="0"/>
+            <a:t>程</a:t>
+          </a:r>
+          <a:endParaRPr lang="zh-CN" sz="1400" kern="1200" dirty="0"/>
+        </a:p>
+        <a:p>
+          <a:pPr marL="114300" lvl="1" indent="-114300" algn="l" defTabSz="622300" rtl="0">
+            <a:lnSpc>
+              <a:spcPct val="90000"/>
+            </a:lnSpc>
+            <a:spcBef>
+              <a:spcPct val="0"/>
+            </a:spcBef>
+            <a:spcAft>
+              <a:spcPct val="15000"/>
+            </a:spcAft>
+            <a:buChar char="••"/>
+          </a:pPr>
+          <a:r>
+            <a:rPr lang="zh-CN" altLang="en-US" sz="1400" kern="1200" dirty="0" smtClean="0"/>
+            <a:t>同</a:t>
           </a:r>
           <a:r>
             <a:rPr lang="zh-CN" altLang="en-US" sz="1400" kern="1200" dirty="0" smtClean="0"/>
-            <a:t>（同时处理几千个请求）</a:t>
+            <a:t>时处理几千个请</a:t>
+          </a:r>
+          <a:r>
+            <a:rPr lang="zh-CN" altLang="en-US" sz="1400" kern="1200" dirty="0" smtClean="0"/>
+            <a:t>求</a:t>
           </a:r>
           <a:endParaRPr lang="zh-CN" sz="1400" kern="1200" dirty="0"/>
         </a:p>
@@ -2100,8 +2203,8 @@
         </a:p>
       </dsp:txBody>
       <dsp:txXfrm>
-        <a:off x="5712791" y="1357617"/>
-        <a:ext cx="1918651" cy="1636103"/>
+        <a:off x="5707382" y="1444549"/>
+        <a:ext cx="1929469" cy="1462239"/>
       </dsp:txXfrm>
     </dsp:sp>
     <dsp:sp modelId="{70FC2123-2839-4467-BED7-0296FF7F7003}">
@@ -2180,8 +2283,8 @@
       </dsp:nvSpPr>
       <dsp:spPr>
         <a:xfrm>
-          <a:off x="8490525" y="1306716"/>
-          <a:ext cx="2020453" cy="1737905"/>
+          <a:off x="8490525" y="1399057"/>
+          <a:ext cx="2020453" cy="1553223"/>
         </a:xfrm>
         <a:prstGeom prst="roundRect">
           <a:avLst>
@@ -2262,11 +2365,11 @@
           </a:pPr>
           <a:r>
             <a:rPr lang="zh-CN" sz="1400" kern="1200" dirty="0" smtClean="0"/>
-            <a:t>事件驱动</a:t>
+            <a:t>事件驱</a:t>
           </a:r>
           <a:r>
-            <a:rPr lang="zh-CN" altLang="en-US" sz="1400" kern="1200" dirty="0" smtClean="0"/>
-            <a:t>（异步非阻塞）</a:t>
+            <a:rPr lang="zh-CN" sz="1400" kern="1200" dirty="0" smtClean="0"/>
+            <a:t>动</a:t>
           </a:r>
           <a:r>
             <a:rPr lang="en-US" altLang="zh-CN" sz="1400" kern="1200" dirty="0" smtClean="0"/>
@@ -2276,17 +2379,24 @@
             <a:rPr lang="zh-CN" altLang="en-US" sz="1400" kern="1200" dirty="0" smtClean="0"/>
             <a:t>协程</a:t>
           </a:r>
-          <a:r>
-            <a:rPr lang="zh-CN" sz="1400" kern="1200" dirty="0" smtClean="0"/>
-            <a:t>（</a:t>
-          </a:r>
+          <a:endParaRPr lang="zh-CN" sz="1400" kern="1200" dirty="0"/>
+        </a:p>
+        <a:p>
+          <a:pPr marL="114300" lvl="1" indent="-114300" algn="l" defTabSz="622300" rtl="0">
+            <a:lnSpc>
+              <a:spcPct val="90000"/>
+            </a:lnSpc>
+            <a:spcBef>
+              <a:spcPct val="0"/>
+            </a:spcBef>
+            <a:spcAft>
+              <a:spcPct val="15000"/>
+            </a:spcAft>
+            <a:buChar char="••"/>
+          </a:pPr>
           <a:r>
             <a:rPr lang="zh-CN" altLang="en-US" sz="1400" kern="1200" dirty="0" smtClean="0"/>
             <a:t>同时处理几万个请求</a:t>
-          </a:r>
-          <a:r>
-            <a:rPr lang="zh-CN" sz="1400" kern="1200" dirty="0" smtClean="0"/>
-            <a:t>）</a:t>
           </a:r>
           <a:endParaRPr lang="zh-CN" sz="1400" kern="1200" dirty="0"/>
         </a:p>
@@ -2338,8 +2448,8 @@
         </a:p>
       </dsp:txBody>
       <dsp:txXfrm>
-        <a:off x="8541426" y="1357617"/>
-        <a:ext cx="1918651" cy="1636103"/>
+        <a:off x="8536017" y="1444549"/>
+        <a:ext cx="1929469" cy="1462239"/>
       </dsp:txXfrm>
     </dsp:sp>
   </dsp:spTree>
@@ -3959,11 +4069,7 @@
             </a:r>
             <a:r>
               <a:rPr lang="zh-CN" altLang="en-US" dirty="0" smtClean="0"/>
-              <a:t>单线程避免了不必要的内存开销和上下文切换开</a:t>
-            </a:r>
-            <a:r>
-              <a:rPr lang="zh-CN" altLang="en-US" dirty="0" smtClean="0"/>
-              <a:t>销</a:t>
+              <a:t>单线程避免了不必要的内存开销和上下文切换开销</a:t>
             </a:r>
             <a:endParaRPr lang="en-US" altLang="zh-CN" dirty="0" smtClean="0"/>
           </a:p>
@@ -7519,7 +7625,7 @@
             <p:ph idx="1"/>
             <p:extLst>
               <p:ext uri="{D42A27DB-BD31-4B8C-83A1-F6EECF244321}">
-                <p14:modId xmlns:p14="http://schemas.microsoft.com/office/powerpoint/2010/main" val="449922522"/>
+                <p14:modId xmlns:p14="http://schemas.microsoft.com/office/powerpoint/2010/main" val="1942919026"/>
               </p:ext>
             </p:extLst>
           </p:nvPr>
@@ -7779,11 +7885,7 @@
           <a:p>
             <a:r>
               <a:rPr lang="zh-CN" altLang="en-US" dirty="0" smtClean="0"/>
-              <a:t>单机处理并</a:t>
-            </a:r>
-            <a:r>
-              <a:rPr lang="zh-CN" altLang="en-US" dirty="0" smtClean="0"/>
-              <a:t>发（</a:t>
+              <a:t>单机处理并发（</a:t>
             </a:r>
             <a:r>
               <a:rPr lang="en-US" altLang="zh-CN" dirty="0"/>
@@ -7806,13 +7908,8 @@
             <a:pPr lvl="1"/>
             <a:r>
               <a:rPr lang="en-US" altLang="zh-CN" dirty="0" smtClean="0"/>
-              <a:t>Node.js  </a:t>
-            </a:r>
-            <a:r>
-              <a:rPr lang="en-US" altLang="zh-CN" dirty="0" smtClean="0"/>
-              <a:t>2w~3w </a:t>
-            </a:r>
-            <a:endParaRPr lang="en-US" altLang="zh-CN" dirty="0" smtClean="0"/>
+              <a:t>Node.js  2w~3w </a:t>
+            </a:r>
           </a:p>
           <a:p>
             <a:endParaRPr lang="en-US" altLang="zh-CN" dirty="0" smtClean="0"/>
@@ -8514,11 +8611,7 @@
           <a:p>
             <a:r>
               <a:rPr lang="en-US" altLang="zh-CN" dirty="0" smtClean="0"/>
-              <a:t>Q</a:t>
-            </a:r>
-            <a:r>
-              <a:rPr lang="en-US" altLang="zh-CN" dirty="0" smtClean="0"/>
-              <a:t>&amp;A</a:t>
+              <a:t>Q&amp;A</a:t>
             </a:r>
             <a:endParaRPr lang="zh-CN" altLang="en-US" dirty="0"/>
           </a:p>
